--- a/Profilberechnung_HSP_L_A2/Profilrechner/ProfiRechner/ProfiRechner/Sprint3_Präsentation.pptx
+++ b/Profilberechnung_HSP_L_A2/Profilrechner/ProfiRechner/ProfiRechner/Sprint3_Präsentation.pptx
@@ -14967,7 +14967,7 @@
           <a:p>
             <a:fld id="{1F364A25-4CF4-46AC-934F-B4CB0AAF29DA}" type="datetimeFigureOut">
               <a:rPr lang="de-DE" smtClean="0"/>
-              <a:t>11.06.2020</a:t>
+              <a:t>12.06.2020</a:t>
             </a:fld>
             <a:endParaRPr lang="de-DE"/>
           </a:p>
@@ -15465,7 +15465,7 @@
           <a:p>
             <a:fld id="{BD656C66-70C8-48E6-838D-D27B061AE031}" type="datetime1">
               <a:rPr lang="de-DE" smtClean="0"/>
-              <a:t>11.06.2020</a:t>
+              <a:t>12.06.2020</a:t>
             </a:fld>
             <a:endParaRPr lang="de-DE"/>
           </a:p>
@@ -15666,7 +15666,7 @@
           <a:p>
             <a:fld id="{D0A18A8B-6BAE-4BCC-897A-A017E7FAA4E7}" type="datetime1">
               <a:rPr lang="de-DE" smtClean="0"/>
-              <a:t>11.06.2020</a:t>
+              <a:t>12.06.2020</a:t>
             </a:fld>
             <a:endParaRPr lang="de-DE"/>
           </a:p>
@@ -15877,7 +15877,7 @@
           <a:p>
             <a:fld id="{1C117DC7-2716-4BC3-9649-C6F45F887CFC}" type="datetime1">
               <a:rPr lang="de-DE" smtClean="0"/>
-              <a:t>11.06.2020</a:t>
+              <a:t>12.06.2020</a:t>
             </a:fld>
             <a:endParaRPr lang="de-DE"/>
           </a:p>
@@ -16078,7 +16078,7 @@
           <a:p>
             <a:fld id="{5D69ACA8-7088-41BD-91ED-D69FBA62642D}" type="datetime1">
               <a:rPr lang="de-DE" smtClean="0"/>
-              <a:t>11.06.2020</a:t>
+              <a:t>12.06.2020</a:t>
             </a:fld>
             <a:endParaRPr lang="de-DE"/>
           </a:p>
@@ -16356,7 +16356,7 @@
           <a:p>
             <a:fld id="{44EB48E5-BD74-4395-B0CC-826BF2984D51}" type="datetime1">
               <a:rPr lang="de-DE" smtClean="0"/>
-              <a:t>11.06.2020</a:t>
+              <a:t>12.06.2020</a:t>
             </a:fld>
             <a:endParaRPr lang="de-DE"/>
           </a:p>
@@ -16624,7 +16624,7 @@
           <a:p>
             <a:fld id="{20E36606-0715-427B-9C83-0256D0871618}" type="datetime1">
               <a:rPr lang="de-DE" smtClean="0"/>
-              <a:t>11.06.2020</a:t>
+              <a:t>12.06.2020</a:t>
             </a:fld>
             <a:endParaRPr lang="de-DE"/>
           </a:p>
@@ -17039,7 +17039,7 @@
           <a:p>
             <a:fld id="{64B8A2E8-88C9-4F32-B2B4-3B49C8025F64}" type="datetime1">
               <a:rPr lang="de-DE" smtClean="0"/>
-              <a:t>11.06.2020</a:t>
+              <a:t>12.06.2020</a:t>
             </a:fld>
             <a:endParaRPr lang="de-DE"/>
           </a:p>
@@ -17183,7 +17183,7 @@
           <a:p>
             <a:fld id="{721E1926-9561-4AD4-B155-F537A3BBF8AB}" type="datetime1">
               <a:rPr lang="de-DE" smtClean="0"/>
-              <a:t>11.06.2020</a:t>
+              <a:t>12.06.2020</a:t>
             </a:fld>
             <a:endParaRPr lang="de-DE"/>
           </a:p>
@@ -17299,7 +17299,7 @@
           <a:p>
             <a:fld id="{0DEFAB1E-3789-4255-A364-82888FFF092C}" type="datetime1">
               <a:rPr lang="de-DE" smtClean="0"/>
-              <a:t>11.06.2020</a:t>
+              <a:t>12.06.2020</a:t>
             </a:fld>
             <a:endParaRPr lang="de-DE"/>
           </a:p>
@@ -17613,7 +17613,7 @@
           <a:p>
             <a:fld id="{265B69A8-7DBD-4E8A-9A41-EAAD39D2250F}" type="datetime1">
               <a:rPr lang="de-DE" smtClean="0"/>
-              <a:t>11.06.2020</a:t>
+              <a:t>12.06.2020</a:t>
             </a:fld>
             <a:endParaRPr lang="de-DE"/>
           </a:p>
@@ -17904,7 +17904,7 @@
           <a:p>
             <a:fld id="{9A12D678-DD9A-48C4-9E33-83F7DC528BCC}" type="datetime1">
               <a:rPr lang="de-DE" smtClean="0"/>
-              <a:t>11.06.2020</a:t>
+              <a:t>12.06.2020</a:t>
             </a:fld>
             <a:endParaRPr lang="de-DE"/>
           </a:p>
@@ -18148,7 +18148,7 @@
           <a:p>
             <a:fld id="{55D9EE11-6B79-4EEE-8C39-772BC948428F}" type="datetime1">
               <a:rPr lang="de-DE" smtClean="0"/>
-              <a:t>11.06.2020</a:t>
+              <a:t>12.06.2020</a:t>
             </a:fld>
             <a:endParaRPr lang="de-DE"/>
           </a:p>
@@ -19391,7 +19391,7 @@
             <p:ph idx="1"/>
             <p:extLst>
               <p:ext uri="{D42A27DB-BD31-4B8C-83A1-F6EECF244321}">
-                <p14:modId xmlns:p14="http://schemas.microsoft.com/office/powerpoint/2010/main" val="919634436"/>
+                <p14:modId xmlns:p14="http://schemas.microsoft.com/office/powerpoint/2010/main" val="306426835"/>
               </p:ext>
             </p:extLst>
           </p:nvPr>
@@ -19558,6 +19558,16 @@
                       <a:r>
                         <a:rPr lang="de-DE" dirty="0"/>
                         <a:t>Auswahlmenüs</a:t>
+                      </a:r>
+                    </a:p>
+                    <a:p>
+                      <a:pPr marL="285750" indent="-285750">
+                        <a:buFont typeface="Arial" panose="020B0604020202020204" pitchFamily="34" charset="0"/>
+                        <a:buChar char="•"/>
+                      </a:pPr>
+                      <a:r>
+                        <a:rPr lang="de-DE" dirty="0"/>
+                        <a:t>Grafische Darstellung der Profile</a:t>
                       </a:r>
                     </a:p>
                   </a:txBody>
